--- a/docs/diagrams/LogicComponentSequenceDiagram.pptx
+++ b/docs/diagrams/LogicComponentSequenceDiagram.pptx
@@ -131,12 +131,12 @@
   <pc:docChgLst>
     <pc:chgData name="Melvin Leo" userId="fc11bf49cac66023" providerId="LiveId" clId="{F9FBB1FD-67A9-487E-BB95-4FABBE1CCBB9}"/>
     <pc:docChg chg="undo custSel modSld">
-      <pc:chgData name="Melvin Leo" userId="fc11bf49cac66023" providerId="LiveId" clId="{F9FBB1FD-67A9-487E-BB95-4FABBE1CCBB9}" dt="2017-10-23T14:25:44.813" v="454" actId="1076"/>
+      <pc:chgData name="Melvin Leo" userId="fc11bf49cac66023" providerId="LiveId" clId="{F9FBB1FD-67A9-487E-BB95-4FABBE1CCBB9}" dt="2017-11-13T13:49:28.767" v="624" actId="14100"/>
       <pc:docMkLst>
         <pc:docMk/>
       </pc:docMkLst>
       <pc:sldChg chg="addSp delSp modSp">
-        <pc:chgData name="Melvin Leo" userId="fc11bf49cac66023" providerId="LiveId" clId="{F9FBB1FD-67A9-487E-BB95-4FABBE1CCBB9}" dt="2017-10-23T14:25:44.813" v="454" actId="1076"/>
+        <pc:chgData name="Melvin Leo" userId="fc11bf49cac66023" providerId="LiveId" clId="{F9FBB1FD-67A9-487E-BB95-4FABBE1CCBB9}" dt="2017-11-13T13:49:28.767" v="624" actId="14100"/>
         <pc:sldMkLst>
           <pc:docMk/>
           <pc:sldMk cId="3945898909" sldId="267"/>
@@ -165,6 +165,38 @@
             <ac:spMk id="6" creationId="{00000000-0000-0000-0000-000000000000}"/>
           </ac:spMkLst>
         </pc:spChg>
+        <pc:spChg chg="add del mod">
+          <ac:chgData name="Melvin Leo" userId="fc11bf49cac66023" providerId="LiveId" clId="{F9FBB1FD-67A9-487E-BB95-4FABBE1CCBB9}" dt="2017-11-13T13:43:43.389" v="511" actId="11529"/>
+          <ac:spMkLst>
+            <pc:docMk/>
+            <pc:sldMk cId="3945898909" sldId="267"/>
+            <ac:spMk id="10" creationId="{5CEA5DCC-A745-481F-8865-B0B185944F87}"/>
+          </ac:spMkLst>
+        </pc:spChg>
+        <pc:spChg chg="add mod">
+          <ac:chgData name="Melvin Leo" userId="fc11bf49cac66023" providerId="LiveId" clId="{F9FBB1FD-67A9-487E-BB95-4FABBE1CCBB9}" dt="2017-11-13T13:49:28.767" v="624" actId="14100"/>
+          <ac:spMkLst>
+            <pc:docMk/>
+            <pc:sldMk cId="3945898909" sldId="267"/>
+            <ac:spMk id="11" creationId="{C155A732-E4DD-43D7-A72E-6D1B76A18643}"/>
+          </ac:spMkLst>
+        </pc:spChg>
+        <pc:spChg chg="add mod">
+          <ac:chgData name="Melvin Leo" userId="fc11bf49cac66023" providerId="LiveId" clId="{F9FBB1FD-67A9-487E-BB95-4FABBE1CCBB9}" dt="2017-11-13T13:47:36.847" v="550" actId="1076"/>
+          <ac:spMkLst>
+            <pc:docMk/>
+            <pc:sldMk cId="3945898909" sldId="267"/>
+            <ac:spMk id="12" creationId="{54D383FA-514F-46FC-B5BF-BFB737F859DA}"/>
+          </ac:spMkLst>
+        </pc:spChg>
+        <pc:spChg chg="add mod">
+          <ac:chgData name="Melvin Leo" userId="fc11bf49cac66023" providerId="LiveId" clId="{F9FBB1FD-67A9-487E-BB95-4FABBE1CCBB9}" dt="2017-11-13T13:49:23.704" v="623" actId="1076"/>
+          <ac:spMkLst>
+            <pc:docMk/>
+            <pc:sldMk cId="3945898909" sldId="267"/>
+            <ac:spMk id="14" creationId="{AA2CBC82-AD71-4780-A436-45990255A361}"/>
+          </ac:spMkLst>
+        </pc:spChg>
         <pc:spChg chg="add del">
           <ac:chgData name="Melvin Leo" userId="fc11bf49cac66023" providerId="LiveId" clId="{F9FBB1FD-67A9-487E-BB95-4FABBE1CCBB9}" dt="2017-10-22T11:06:43.461" v="218" actId="14100"/>
           <ac:spMkLst>
@@ -253,6 +285,14 @@
             <ac:spMk id="49" creationId="{00000000-0000-0000-0000-000000000000}"/>
           </ac:spMkLst>
         </pc:spChg>
+        <pc:spChg chg="add mod ord">
+          <ac:chgData name="Melvin Leo" userId="fc11bf49cac66023" providerId="LiveId" clId="{F9FBB1FD-67A9-487E-BB95-4FABBE1CCBB9}" dt="2017-11-13T13:39:44.864" v="503" actId="1076"/>
+          <ac:spMkLst>
+            <pc:docMk/>
+            <pc:sldMk cId="3945898909" sldId="267"/>
+            <ac:spMk id="51" creationId="{A4C853F2-69C8-428C-833D-C432F8E16A1E}"/>
+          </ac:spMkLst>
+        </pc:spChg>
         <pc:spChg chg="add mod">
           <ac:chgData name="Melvin Leo" userId="fc11bf49cac66023" providerId="LiveId" clId="{F9FBB1FD-67A9-487E-BB95-4FABBE1CCBB9}" dt="2017-10-22T11:21:22.654" v="451" actId="14100"/>
           <ac:spMkLst>
@@ -270,6 +310,14 @@
           </ac:spMkLst>
         </pc:spChg>
         <pc:spChg chg="add mod">
+          <ac:chgData name="Melvin Leo" userId="fc11bf49cac66023" providerId="LiveId" clId="{F9FBB1FD-67A9-487E-BB95-4FABBE1CCBB9}" dt="2017-11-13T13:40:47.505" v="507" actId="14100"/>
+          <ac:spMkLst>
+            <pc:docMk/>
+            <pc:sldMk cId="3945898909" sldId="267"/>
+            <ac:spMk id="57" creationId="{3CD1054F-A0AA-48ED-B54C-1FC96501BCDD}"/>
+          </ac:spMkLst>
+        </pc:spChg>
+        <pc:spChg chg="add mod">
           <ac:chgData name="Melvin Leo" userId="fc11bf49cac66023" providerId="LiveId" clId="{F9FBB1FD-67A9-487E-BB95-4FABBE1CCBB9}" dt="2017-10-22T11:21:22.654" v="451" actId="14100"/>
           <ac:spMkLst>
             <pc:docMk/>
@@ -286,7 +334,7 @@
           </ac:spMkLst>
         </pc:spChg>
         <pc:spChg chg="add mod">
-          <ac:chgData name="Melvin Leo" userId="fc11bf49cac66023" providerId="LiveId" clId="{F9FBB1FD-67A9-487E-BB95-4FABBE1CCBB9}" dt="2017-10-22T11:21:22.654" v="451" actId="14100"/>
+          <ac:chgData name="Melvin Leo" userId="fc11bf49cac66023" providerId="LiveId" clId="{F9FBB1FD-67A9-487E-BB95-4FABBE1CCBB9}" dt="2017-11-13T13:40:59.791" v="509" actId="14100"/>
           <ac:spMkLst>
             <pc:docMk/>
             <pc:sldMk cId="3945898909" sldId="267"/>
@@ -326,7 +374,7 @@
           </ac:spMkLst>
         </pc:spChg>
         <pc:spChg chg="mod">
-          <ac:chgData name="Melvin Leo" userId="fc11bf49cac66023" providerId="LiveId" clId="{F9FBB1FD-67A9-487E-BB95-4FABBE1CCBB9}" dt="2017-10-22T11:21:22.654" v="451" actId="14100"/>
+          <ac:chgData name="Melvin Leo" userId="fc11bf49cac66023" providerId="LiveId" clId="{F9FBB1FD-67A9-487E-BB95-4FABBE1CCBB9}" dt="2017-11-13T13:46:49.130" v="533" actId="1076"/>
           <ac:spMkLst>
             <pc:docMk/>
             <pc:sldMk cId="3945898909" sldId="267"/>
@@ -398,7 +446,7 @@
           </ac:spMkLst>
         </pc:spChg>
         <pc:spChg chg="add mod">
-          <ac:chgData name="Melvin Leo" userId="fc11bf49cac66023" providerId="LiveId" clId="{F9FBB1FD-67A9-487E-BB95-4FABBE1CCBB9}" dt="2017-10-22T11:21:22.654" v="451" actId="14100"/>
+          <ac:chgData name="Melvin Leo" userId="fc11bf49cac66023" providerId="LiveId" clId="{F9FBB1FD-67A9-487E-BB95-4FABBE1CCBB9}" dt="2017-11-13T13:37:59.002" v="472" actId="1076"/>
           <ac:spMkLst>
             <pc:docMk/>
             <pc:sldMk cId="3945898909" sldId="267"/>
@@ -406,7 +454,7 @@
           </ac:spMkLst>
         </pc:spChg>
         <pc:spChg chg="add mod">
-          <ac:chgData name="Melvin Leo" userId="fc11bf49cac66023" providerId="LiveId" clId="{F9FBB1FD-67A9-487E-BB95-4FABBE1CCBB9}" dt="2017-10-22T11:21:22.654" v="451" actId="14100"/>
+          <ac:chgData name="Melvin Leo" userId="fc11bf49cac66023" providerId="LiveId" clId="{F9FBB1FD-67A9-487E-BB95-4FABBE1CCBB9}" dt="2017-11-13T13:45:44.696" v="527" actId="1076"/>
           <ac:spMkLst>
             <pc:docMk/>
             <pc:sldMk cId="3945898909" sldId="267"/>
@@ -454,7 +502,7 @@
           </ac:cxnSpMkLst>
         </pc:cxnChg>
         <pc:cxnChg chg="mod">
-          <ac:chgData name="Melvin Leo" userId="fc11bf49cac66023" providerId="LiveId" clId="{F9FBB1FD-67A9-487E-BB95-4FABBE1CCBB9}" dt="2017-10-22T11:21:22.654" v="451" actId="14100"/>
+          <ac:chgData name="Melvin Leo" userId="fc11bf49cac66023" providerId="LiveId" clId="{F9FBB1FD-67A9-487E-BB95-4FABBE1CCBB9}" dt="2017-11-13T13:40:32.100" v="506" actId="14100"/>
           <ac:cxnSpMkLst>
             <pc:docMk/>
             <pc:sldMk cId="3945898909" sldId="267"/>
@@ -573,6 +621,14 @@
             <ac:cxnSpMk id="54" creationId="{C123D980-C643-4DBD-952F-EC5727846F17}"/>
           </ac:cxnSpMkLst>
         </pc:cxnChg>
+        <pc:cxnChg chg="add mod ord">
+          <ac:chgData name="Melvin Leo" userId="fc11bf49cac66023" providerId="LiveId" clId="{F9FBB1FD-67A9-487E-BB95-4FABBE1CCBB9}" dt="2017-11-13T13:40:51.477" v="508" actId="14100"/>
+          <ac:cxnSpMkLst>
+            <pc:docMk/>
+            <pc:sldMk cId="3945898909" sldId="267"/>
+            <ac:cxnSpMk id="56" creationId="{1475DB4A-40E5-4F25-940C-A57AB85C83C3}"/>
+          </ac:cxnSpMkLst>
+        </pc:cxnChg>
         <pc:cxnChg chg="del mod">
           <ac:chgData name="Melvin Leo" userId="fc11bf49cac66023" providerId="LiveId" clId="{F9FBB1FD-67A9-487E-BB95-4FABBE1CCBB9}" dt="2017-10-22T11:10:09.632" v="251" actId="478"/>
           <ac:cxnSpMkLst>
@@ -630,7 +686,7 @@
           </ac:cxnSpMkLst>
         </pc:cxnChg>
         <pc:cxnChg chg="add mod">
-          <ac:chgData name="Melvin Leo" userId="fc11bf49cac66023" providerId="LiveId" clId="{F9FBB1FD-67A9-487E-BB95-4FABBE1CCBB9}" dt="2017-10-22T11:21:22.654" v="451" actId="14100"/>
+          <ac:chgData name="Melvin Leo" userId="fc11bf49cac66023" providerId="LiveId" clId="{F9FBB1FD-67A9-487E-BB95-4FABBE1CCBB9}" dt="2017-11-13T13:44:55.335" v="517" actId="1076"/>
           <ac:cxnSpMkLst>
             <pc:docMk/>
             <pc:sldMk cId="3945898909" sldId="267"/>
@@ -638,7 +694,7 @@
           </ac:cxnSpMkLst>
         </pc:cxnChg>
         <pc:cxnChg chg="add mod">
-          <ac:chgData name="Melvin Leo" userId="fc11bf49cac66023" providerId="LiveId" clId="{F9FBB1FD-67A9-487E-BB95-4FABBE1CCBB9}" dt="2017-10-22T11:21:22.654" v="451" actId="14100"/>
+          <ac:chgData name="Melvin Leo" userId="fc11bf49cac66023" providerId="LiveId" clId="{F9FBB1FD-67A9-487E-BB95-4FABBE1CCBB9}" dt="2017-11-13T13:45:37.783" v="524" actId="1076"/>
           <ac:cxnSpMkLst>
             <pc:docMk/>
             <pc:sldMk cId="3945898909" sldId="267"/>
@@ -678,7 +734,7 @@
           </ac:cxnSpMkLst>
         </pc:cxnChg>
         <pc:cxnChg chg="add mod">
-          <ac:chgData name="Melvin Leo" userId="fc11bf49cac66023" providerId="LiveId" clId="{F9FBB1FD-67A9-487E-BB95-4FABBE1CCBB9}" dt="2017-10-22T11:21:22.654" v="451" actId="14100"/>
+          <ac:chgData name="Melvin Leo" userId="fc11bf49cac66023" providerId="LiveId" clId="{F9FBB1FD-67A9-487E-BB95-4FABBE1CCBB9}" dt="2017-11-13T13:43:49.014" v="512" actId="1076"/>
           <ac:cxnSpMkLst>
             <pc:docMk/>
             <pc:sldMk cId="3945898909" sldId="267"/>
@@ -686,7 +742,7 @@
           </ac:cxnSpMkLst>
         </pc:cxnChg>
         <pc:cxnChg chg="add mod">
-          <ac:chgData name="Melvin Leo" userId="fc11bf49cac66023" providerId="LiveId" clId="{F9FBB1FD-67A9-487E-BB95-4FABBE1CCBB9}" dt="2017-10-22T11:21:22.654" v="451" actId="14100"/>
+          <ac:chgData name="Melvin Leo" userId="fc11bf49cac66023" providerId="LiveId" clId="{F9FBB1FD-67A9-487E-BB95-4FABBE1CCBB9}" dt="2017-11-13T13:45:35.375" v="523" actId="1076"/>
           <ac:cxnSpMkLst>
             <pc:docMk/>
             <pc:sldMk cId="3945898909" sldId="267"/>
@@ -694,7 +750,7 @@
           </ac:cxnSpMkLst>
         </pc:cxnChg>
         <pc:cxnChg chg="add mod">
-          <ac:chgData name="Melvin Leo" userId="fc11bf49cac66023" providerId="LiveId" clId="{F9FBB1FD-67A9-487E-BB95-4FABBE1CCBB9}" dt="2017-10-22T11:21:22.654" v="451" actId="14100"/>
+          <ac:chgData name="Melvin Leo" userId="fc11bf49cac66023" providerId="LiveId" clId="{F9FBB1FD-67A9-487E-BB95-4FABBE1CCBB9}" dt="2017-11-13T13:45:52.856" v="529" actId="1076"/>
           <ac:cxnSpMkLst>
             <pc:docMk/>
             <pc:sldMk cId="3945898909" sldId="267"/>
@@ -797,7 +853,7 @@
           <a:p>
             <a:fld id="{F5CC4B3F-88C1-4FFA-B1B6-F41C21DC6924}" type="datetimeFigureOut">
               <a:rPr lang="en-US" smtClean="0"/>
-              <a:t>10/23/2017</a:t>
+              <a:t>11/13/2017</a:t>
             </a:fld>
             <a:endParaRPr lang="en-US"/>
           </a:p>
@@ -1243,7 +1299,7 @@
           <a:p>
             <a:fld id="{78C97017-6FC3-485B-9764-EAC9E56C1D49}" type="datetimeFigureOut">
               <a:rPr lang="en-US" smtClean="0"/>
-              <a:t>10/23/2017</a:t>
+              <a:t>11/13/2017</a:t>
             </a:fld>
             <a:endParaRPr lang="en-US"/>
           </a:p>
@@ -1411,7 +1467,7 @@
           <a:p>
             <a:fld id="{78C97017-6FC3-485B-9764-EAC9E56C1D49}" type="datetimeFigureOut">
               <a:rPr lang="en-US" smtClean="0"/>
-              <a:t>10/23/2017</a:t>
+              <a:t>11/13/2017</a:t>
             </a:fld>
             <a:endParaRPr lang="en-US"/>
           </a:p>
@@ -1589,7 +1645,7 @@
           <a:p>
             <a:fld id="{78C97017-6FC3-485B-9764-EAC9E56C1D49}" type="datetimeFigureOut">
               <a:rPr lang="en-US" smtClean="0"/>
-              <a:t>10/23/2017</a:t>
+              <a:t>11/13/2017</a:t>
             </a:fld>
             <a:endParaRPr lang="en-US"/>
           </a:p>
@@ -1757,7 +1813,7 @@
           <a:p>
             <a:fld id="{78C97017-6FC3-485B-9764-EAC9E56C1D49}" type="datetimeFigureOut">
               <a:rPr lang="en-US" smtClean="0"/>
-              <a:t>10/23/2017</a:t>
+              <a:t>11/13/2017</a:t>
             </a:fld>
             <a:endParaRPr lang="en-US"/>
           </a:p>
@@ -2002,7 +2058,7 @@
           <a:p>
             <a:fld id="{78C97017-6FC3-485B-9764-EAC9E56C1D49}" type="datetimeFigureOut">
               <a:rPr lang="en-US" smtClean="0"/>
-              <a:t>10/23/2017</a:t>
+              <a:t>11/13/2017</a:t>
             </a:fld>
             <a:endParaRPr lang="en-US"/>
           </a:p>
@@ -2287,7 +2343,7 @@
           <a:p>
             <a:fld id="{78C97017-6FC3-485B-9764-EAC9E56C1D49}" type="datetimeFigureOut">
               <a:rPr lang="en-US" smtClean="0"/>
-              <a:t>10/23/2017</a:t>
+              <a:t>11/13/2017</a:t>
             </a:fld>
             <a:endParaRPr lang="en-US"/>
           </a:p>
@@ -2706,7 +2762,7 @@
           <a:p>
             <a:fld id="{78C97017-6FC3-485B-9764-EAC9E56C1D49}" type="datetimeFigureOut">
               <a:rPr lang="en-US" smtClean="0"/>
-              <a:t>10/23/2017</a:t>
+              <a:t>11/13/2017</a:t>
             </a:fld>
             <a:endParaRPr lang="en-US"/>
           </a:p>
@@ -2823,7 +2879,7 @@
           <a:p>
             <a:fld id="{78C97017-6FC3-485B-9764-EAC9E56C1D49}" type="datetimeFigureOut">
               <a:rPr lang="en-US" smtClean="0"/>
-              <a:t>10/23/2017</a:t>
+              <a:t>11/13/2017</a:t>
             </a:fld>
             <a:endParaRPr lang="en-US"/>
           </a:p>
@@ -2918,7 +2974,7 @@
           <a:p>
             <a:fld id="{78C97017-6FC3-485B-9764-EAC9E56C1D49}" type="datetimeFigureOut">
               <a:rPr lang="en-US" smtClean="0"/>
-              <a:t>10/23/2017</a:t>
+              <a:t>11/13/2017</a:t>
             </a:fld>
             <a:endParaRPr lang="en-US"/>
           </a:p>
@@ -3193,7 +3249,7 @@
           <a:p>
             <a:fld id="{78C97017-6FC3-485B-9764-EAC9E56C1D49}" type="datetimeFigureOut">
               <a:rPr lang="en-US" smtClean="0"/>
-              <a:t>10/23/2017</a:t>
+              <a:t>11/13/2017</a:t>
             </a:fld>
             <a:endParaRPr lang="en-US"/>
           </a:p>
@@ -3445,7 +3501,7 @@
           <a:p>
             <a:fld id="{78C97017-6FC3-485B-9764-EAC9E56C1D49}" type="datetimeFigureOut">
               <a:rPr lang="en-US" smtClean="0"/>
-              <a:t>10/23/2017</a:t>
+              <a:t>11/13/2017</a:t>
             </a:fld>
             <a:endParaRPr lang="en-US"/>
           </a:p>
@@ -3656,7 +3712,7 @@
           <a:p>
             <a:fld id="{78C97017-6FC3-485B-9764-EAC9E56C1D49}" type="datetimeFigureOut">
               <a:rPr lang="en-US" smtClean="0"/>
-              <a:t>10/23/2017</a:t>
+              <a:t>11/13/2017</a:t>
             </a:fld>
             <a:endParaRPr lang="en-US"/>
           </a:p>
@@ -4039,8 +4095,8 @@
         </p:nvSpPr>
         <p:spPr>
           <a:xfrm>
-            <a:off x="685800" y="1905000"/>
-            <a:ext cx="8229600" cy="4648200"/>
+            <a:off x="680238" y="1918404"/>
+            <a:ext cx="9829800" cy="4648200"/>
           </a:xfrm>
           <a:prstGeom prst="roundRect">
             <a:avLst>
@@ -4323,7 +4379,7 @@
         <p:spPr>
           <a:xfrm>
             <a:off x="8153400" y="3454660"/>
-            <a:ext cx="0" cy="2604113"/>
+            <a:ext cx="26059" cy="2869917"/>
           </a:xfrm>
           <a:prstGeom prst="line">
             <a:avLst/>
@@ -5583,8 +5639,8 @@
         </p:nvSpPr>
         <p:spPr>
           <a:xfrm>
-            <a:off x="8061730" y="3688574"/>
-            <a:ext cx="190981" cy="2447550"/>
+            <a:off x="8061730" y="3688573"/>
+            <a:ext cx="201914" cy="2487991"/>
           </a:xfrm>
           <a:prstGeom prst="rect">
             <a:avLst/>
@@ -5776,7 +5832,7 @@
         </p:nvCxnSpPr>
         <p:spPr>
           <a:xfrm>
-            <a:off x="6865734" y="5470767"/>
+            <a:off x="8279741" y="5854138"/>
             <a:ext cx="1238123" cy="0"/>
           </a:xfrm>
           <a:prstGeom prst="straightConnector1">
@@ -5818,7 +5874,7 @@
         </p:nvCxnSpPr>
         <p:spPr>
           <a:xfrm>
-            <a:off x="6865734" y="5791198"/>
+            <a:off x="8252711" y="5562600"/>
             <a:ext cx="1238123" cy="0"/>
           </a:xfrm>
           <a:prstGeom prst="straightConnector1">
@@ -5906,7 +5962,7 @@
         </p:nvCxnSpPr>
         <p:spPr>
           <a:xfrm>
-            <a:off x="6848774" y="5253419"/>
+            <a:off x="6831403" y="5301093"/>
             <a:ext cx="1238123" cy="0"/>
           </a:xfrm>
           <a:prstGeom prst="straightConnector1">
@@ -5952,7 +6008,7 @@
         </p:nvCxnSpPr>
         <p:spPr>
           <a:xfrm>
-            <a:off x="6865734" y="5867400"/>
+            <a:off x="8252711" y="5668685"/>
             <a:ext cx="1238123" cy="0"/>
           </a:xfrm>
           <a:prstGeom prst="straightConnector1">
@@ -5998,7 +6054,7 @@
         </p:nvCxnSpPr>
         <p:spPr>
           <a:xfrm>
-            <a:off x="6848774" y="5541883"/>
+            <a:off x="8252710" y="6005197"/>
             <a:ext cx="1238123" cy="0"/>
           </a:xfrm>
           <a:prstGeom prst="straightConnector1">
@@ -6092,7 +6148,7 @@
         </p:nvSpPr>
         <p:spPr>
           <a:xfrm>
-            <a:off x="6917700" y="5262181"/>
+            <a:off x="8153400" y="5668685"/>
             <a:ext cx="1012007" cy="172098"/>
           </a:xfrm>
           <a:prstGeom prst="rect">
@@ -6119,7 +6175,7 @@
           <a:p>
             <a:r>
               <a:rPr lang="en-US" sz="1100" dirty="0" err="1"/>
-              <a:t>getPhoneNum</a:t>
+              <a:t>getPhone</a:t>
             </a:r>
             <a:r>
               <a:rPr lang="en-US" sz="1100" dirty="0"/>
@@ -6142,7 +6198,7 @@
         </p:nvSpPr>
         <p:spPr>
           <a:xfrm>
-            <a:off x="6910249" y="5572944"/>
+            <a:off x="8054068" y="5395794"/>
             <a:ext cx="1086388" cy="172098"/>
           </a:xfrm>
           <a:prstGeom prst="rect">
@@ -6169,7 +6225,7 @@
           <a:p>
             <a:r>
               <a:rPr lang="en-US" sz="1100" dirty="0" err="1"/>
-              <a:t>getPersonName</a:t>
+              <a:t>getName</a:t>
             </a:r>
             <a:r>
               <a:rPr lang="en-US" sz="1100" dirty="0"/>
@@ -6320,6 +6376,308 @@
             <a:r>
               <a:rPr lang="en-US" sz="900" dirty="0"/>
               <a:t>()</a:t>
+            </a:r>
+          </a:p>
+        </p:txBody>
+      </p:sp>
+      <p:cxnSp>
+        <p:nvCxnSpPr>
+          <p:cNvPr id="56" name="Straight Connector 55">
+            <a:extLst>
+              <a:ext uri="{FF2B5EF4-FFF2-40B4-BE49-F238E27FC236}">
+                <a16:creationId xmlns:a16="http://schemas.microsoft.com/office/drawing/2014/main" id="{1475DB4A-40E5-4F25-940C-A57AB85C83C3}"/>
+              </a:ext>
+            </a:extLst>
+          </p:cNvPr>
+          <p:cNvCxnSpPr>
+            <a:cxnSpLocks/>
+          </p:cNvCxnSpPr>
+          <p:nvPr/>
+        </p:nvCxnSpPr>
+        <p:spPr>
+          <a:xfrm>
+            <a:off x="9601200" y="4724614"/>
+            <a:ext cx="26059" cy="1451977"/>
+          </a:xfrm>
+          <a:prstGeom prst="line">
+            <a:avLst/>
+          </a:prstGeom>
+          <a:ln w="19050">
+            <a:solidFill>
+              <a:srgbClr val="0070C0"/>
+            </a:solidFill>
+            <a:prstDash val="sysDash"/>
+          </a:ln>
+          <a:effectLst/>
+        </p:spPr>
+        <p:style>
+          <a:lnRef idx="1">
+            <a:schemeClr val="accent1"/>
+          </a:lnRef>
+          <a:fillRef idx="2">
+            <a:schemeClr val="accent1"/>
+          </a:fillRef>
+          <a:effectRef idx="1">
+            <a:schemeClr val="accent1"/>
+          </a:effectRef>
+          <a:fontRef idx="minor">
+            <a:schemeClr val="dk1"/>
+          </a:fontRef>
+        </p:style>
+      </p:cxnSp>
+      <p:sp>
+        <p:nvSpPr>
+          <p:cNvPr id="51" name="Rectangle 62">
+            <a:extLst>
+              <a:ext uri="{FF2B5EF4-FFF2-40B4-BE49-F238E27FC236}">
+                <a16:creationId xmlns:a16="http://schemas.microsoft.com/office/drawing/2014/main" id="{A4C853F2-69C8-428C-833D-C432F8E16A1E}"/>
+              </a:ext>
+            </a:extLst>
+          </p:cNvPr>
+          <p:cNvSpPr/>
+          <p:nvPr/>
+        </p:nvSpPr>
+        <p:spPr>
+          <a:xfrm>
+            <a:off x="9099048" y="4464008"/>
+            <a:ext cx="1028613" cy="406661"/>
+          </a:xfrm>
+          <a:prstGeom prst="rect">
+            <a:avLst/>
+          </a:prstGeom>
+          <a:solidFill>
+            <a:srgbClr val="0070C0"/>
+          </a:solidFill>
+          <a:ln w="19050">
+            <a:solidFill>
+              <a:srgbClr val="0070C0"/>
+            </a:solidFill>
+          </a:ln>
+          <a:effectLst/>
+        </p:spPr>
+        <p:style>
+          <a:lnRef idx="1">
+            <a:schemeClr val="accent2"/>
+          </a:lnRef>
+          <a:fillRef idx="2">
+            <a:schemeClr val="accent2"/>
+          </a:fillRef>
+          <a:effectRef idx="1">
+            <a:schemeClr val="accent2"/>
+          </a:effectRef>
+          <a:fontRef idx="minor">
+            <a:schemeClr val="dk1"/>
+          </a:fontRef>
+        </p:style>
+        <p:txBody>
+          <a:bodyPr rtlCol="0" anchor="ctr"/>
+          <a:lstStyle/>
+          <a:p>
+            <a:pPr algn="ctr"/>
+            <a:r>
+              <a:rPr lang="en-US" sz="1600" dirty="0">
+                <a:solidFill>
+                  <a:schemeClr val="bg1"/>
+                </a:solidFill>
+              </a:rPr>
+              <a:t>:Person</a:t>
+            </a:r>
+            <a:endParaRPr lang="en-SG" sz="1600" dirty="0">
+              <a:solidFill>
+                <a:schemeClr val="bg1"/>
+              </a:solidFill>
+            </a:endParaRPr>
+          </a:p>
+        </p:txBody>
+      </p:sp>
+      <p:sp>
+        <p:nvSpPr>
+          <p:cNvPr id="57" name="Rectangle 56">
+            <a:extLst>
+              <a:ext uri="{FF2B5EF4-FFF2-40B4-BE49-F238E27FC236}">
+                <a16:creationId xmlns:a16="http://schemas.microsoft.com/office/drawing/2014/main" id="{3CD1054F-A0AA-48ED-B54C-1FC96501BCDD}"/>
+              </a:ext>
+            </a:extLst>
+          </p:cNvPr>
+          <p:cNvSpPr/>
+          <p:nvPr/>
+        </p:nvSpPr>
+        <p:spPr>
+          <a:xfrm>
+            <a:off x="9517864" y="5100825"/>
+            <a:ext cx="190981" cy="985236"/>
+          </a:xfrm>
+          <a:prstGeom prst="rect">
+            <a:avLst/>
+          </a:prstGeom>
+          <a:solidFill>
+            <a:srgbClr val="0070C0"/>
+          </a:solidFill>
+          <a:ln>
+            <a:solidFill>
+              <a:srgbClr val="0070C0"/>
+            </a:solidFill>
+          </a:ln>
+          <a:effectLst/>
+        </p:spPr>
+        <p:style>
+          <a:lnRef idx="1">
+            <a:schemeClr val="accent3"/>
+          </a:lnRef>
+          <a:fillRef idx="2">
+            <a:schemeClr val="accent3"/>
+          </a:fillRef>
+          <a:effectRef idx="1">
+            <a:schemeClr val="accent3"/>
+          </a:effectRef>
+          <a:fontRef idx="minor">
+            <a:schemeClr val="dk1"/>
+          </a:fontRef>
+        </p:style>
+        <p:txBody>
+          <a:bodyPr rtlCol="0" anchor="ctr"/>
+          <a:lstStyle/>
+          <a:p>
+            <a:pPr algn="ctr"/>
+            <a:endParaRPr lang="en-SG" sz="1400" dirty="0"/>
+          </a:p>
+        </p:txBody>
+      </p:sp>
+      <p:sp>
+        <p:nvSpPr>
+          <p:cNvPr id="11" name="Rectangle 10">
+            <a:extLst>
+              <a:ext uri="{FF2B5EF4-FFF2-40B4-BE49-F238E27FC236}">
+                <a16:creationId xmlns:a16="http://schemas.microsoft.com/office/drawing/2014/main" id="{C155A732-E4DD-43D7-A72E-6D1B76A18643}"/>
+              </a:ext>
+            </a:extLst>
+          </p:cNvPr>
+          <p:cNvSpPr/>
+          <p:nvPr/>
+        </p:nvSpPr>
+        <p:spPr>
+          <a:xfrm>
+            <a:off x="7535112" y="5409578"/>
+            <a:ext cx="2528278" cy="773148"/>
+          </a:xfrm>
+          <a:prstGeom prst="rect">
+            <a:avLst/>
+          </a:prstGeom>
+          <a:noFill/>
+        </p:spPr>
+        <p:style>
+          <a:lnRef idx="2">
+            <a:schemeClr val="accent1">
+              <a:shade val="50000"/>
+            </a:schemeClr>
+          </a:lnRef>
+          <a:fillRef idx="1">
+            <a:schemeClr val="accent1"/>
+          </a:fillRef>
+          <a:effectRef idx="0">
+            <a:schemeClr val="accent1"/>
+          </a:effectRef>
+          <a:fontRef idx="minor">
+            <a:schemeClr val="lt1"/>
+          </a:fontRef>
+        </p:style>
+        <p:txBody>
+          <a:bodyPr rtlCol="0" anchor="ctr"/>
+          <a:lstStyle/>
+          <a:p>
+            <a:pPr algn="ctr"/>
+            <a:endParaRPr lang="en-US"/>
+          </a:p>
+        </p:txBody>
+      </p:sp>
+      <p:sp>
+        <p:nvSpPr>
+          <p:cNvPr id="12" name="Rectangle 11">
+            <a:extLst>
+              <a:ext uri="{FF2B5EF4-FFF2-40B4-BE49-F238E27FC236}">
+                <a16:creationId xmlns:a16="http://schemas.microsoft.com/office/drawing/2014/main" id="{54D383FA-514F-46FC-B5BF-BFB737F859DA}"/>
+              </a:ext>
+            </a:extLst>
+          </p:cNvPr>
+          <p:cNvSpPr/>
+          <p:nvPr/>
+        </p:nvSpPr>
+        <p:spPr>
+          <a:xfrm>
+            <a:off x="7538235" y="5395794"/>
+            <a:ext cx="434771" cy="213783"/>
+          </a:xfrm>
+          <a:prstGeom prst="rect">
+            <a:avLst/>
+          </a:prstGeom>
+          <a:noFill/>
+        </p:spPr>
+        <p:style>
+          <a:lnRef idx="2">
+            <a:schemeClr val="accent1">
+              <a:shade val="50000"/>
+            </a:schemeClr>
+          </a:lnRef>
+          <a:fillRef idx="1">
+            <a:schemeClr val="accent1"/>
+          </a:fillRef>
+          <a:effectRef idx="0">
+            <a:schemeClr val="accent1"/>
+          </a:effectRef>
+          <a:fontRef idx="minor">
+            <a:schemeClr val="lt1"/>
+          </a:fontRef>
+        </p:style>
+        <p:txBody>
+          <a:bodyPr rtlCol="0" anchor="ctr"/>
+          <a:lstStyle/>
+          <a:p>
+            <a:pPr algn="ctr"/>
+            <a:r>
+              <a:rPr lang="en-US" sz="1000" dirty="0">
+                <a:solidFill>
+                  <a:schemeClr val="tx1">
+                    <a:lumMod val="95000"/>
+                    <a:lumOff val="5000"/>
+                  </a:schemeClr>
+                </a:solidFill>
+              </a:rPr>
+              <a:t>loop</a:t>
+            </a:r>
+          </a:p>
+        </p:txBody>
+      </p:sp>
+      <p:sp>
+        <p:nvSpPr>
+          <p:cNvPr id="14" name="TextBox 13">
+            <a:extLst>
+              <a:ext uri="{FF2B5EF4-FFF2-40B4-BE49-F238E27FC236}">
+                <a16:creationId xmlns:a16="http://schemas.microsoft.com/office/drawing/2014/main" id="{AA2CBC82-AD71-4780-A436-45990255A361}"/>
+              </a:ext>
+            </a:extLst>
+          </p:cNvPr>
+          <p:cNvSpPr txBox="1"/>
+          <p:nvPr/>
+        </p:nvSpPr>
+        <p:spPr>
+          <a:xfrm>
+            <a:off x="7472055" y="5592893"/>
+            <a:ext cx="794136" cy="584775"/>
+          </a:xfrm>
+          <a:prstGeom prst="rect">
+            <a:avLst/>
+          </a:prstGeom>
+          <a:noFill/>
+        </p:spPr>
+        <p:txBody>
+          <a:bodyPr wrap="square" rtlCol="0">
+            <a:spAutoFit/>
+          </a:bodyPr>
+          <a:lstStyle/>
+          <a:p>
+            <a:r>
+              <a:rPr lang="en-US" sz="800" dirty="0"/>
+              <a:t>[for each person in person list in Meeting]</a:t>
             </a:r>
           </a:p>
         </p:txBody>
